--- a/ML Project [stock market exchange].pptx
+++ b/ML Project [stock market exchange].pptx
@@ -25,29 +25,29 @@
   <p:notesSz cx="6858000" cy="9144000"/>
   <p:embeddedFontLst>
     <p:embeddedFont>
-      <p:font typeface="Bebas Neue" panose="020B0606020202050201" pitchFamily="34" charset="77"/>
+      <p:font typeface="Bebas Neue" panose="020B0606020202050201" pitchFamily="34" charset="0"/>
       <p:regular r:id="rId15"/>
     </p:embeddedFont>
     <p:embeddedFont>
-      <p:font typeface="Bitter" pitchFamily="2" charset="77"/>
+      <p:font typeface="Bitter" pitchFamily="2" charset="0"/>
       <p:regular r:id="rId16"/>
       <p:bold r:id="rId17"/>
       <p:italic r:id="rId18"/>
       <p:boldItalic r:id="rId19"/>
     </p:embeddedFont>
     <p:embeddedFont>
-      <p:font typeface="Bree Serif" panose="02000503040000020004" pitchFamily="2" charset="77"/>
+      <p:font typeface="Bree Serif" panose="02000503040000020004" pitchFamily="2" charset="0"/>
       <p:regular r:id="rId20"/>
     </p:embeddedFont>
     <p:embeddedFont>
-      <p:font typeface="Lato" panose="020F0502020204030203" pitchFamily="34" charset="0"/>
+      <p:font typeface="Lato" panose="02000000000000000000" pitchFamily="2" charset="0"/>
       <p:regular r:id="rId21"/>
       <p:bold r:id="rId22"/>
       <p:italic r:id="rId23"/>
       <p:boldItalic r:id="rId24"/>
     </p:embeddedFont>
     <p:embeddedFont>
-      <p:font typeface="Lato Black" panose="020F0502020204030204" pitchFamily="34" charset="0"/>
+      <p:font typeface="Lato Black" panose="02000000000000000000" pitchFamily="2" charset="0"/>
       <p:bold r:id="rId25"/>
       <p:italic r:id="rId26"/>
       <p:boldItalic r:id="rId27"/>
@@ -58,7 +58,7 @@
       <p:bold r:id="rId29"/>
     </p:embeddedFont>
     <p:embeddedFont>
-      <p:font typeface="Nunito Light" panose="020F0302020204030204" pitchFamily="34" charset="0"/>
+      <p:font typeface="Nunito Light" panose="02000000000000000000" pitchFamily="2" charset="0"/>
       <p:regular r:id="rId30"/>
       <p:italic r:id="rId31"/>
     </p:embeddedFont>

--- a/ML Project [stock market exchange].pptx
+++ b/ML Project [stock market exchange].pptx
@@ -25,29 +25,29 @@
   <p:notesSz cx="6858000" cy="9144000"/>
   <p:embeddedFontLst>
     <p:embeddedFont>
-      <p:font typeface="Bebas Neue" panose="020B0606020202050201" pitchFamily="34" charset="0"/>
+      <p:font typeface="Bebas Neue" panose="020B0606020202050201" pitchFamily="34" charset="77"/>
       <p:regular r:id="rId15"/>
     </p:embeddedFont>
     <p:embeddedFont>
-      <p:font typeface="Bitter" pitchFamily="2" charset="0"/>
+      <p:font typeface="Bitter" pitchFamily="2" charset="77"/>
       <p:regular r:id="rId16"/>
       <p:bold r:id="rId17"/>
       <p:italic r:id="rId18"/>
       <p:boldItalic r:id="rId19"/>
     </p:embeddedFont>
     <p:embeddedFont>
-      <p:font typeface="Bree Serif" panose="02000503040000020004" pitchFamily="2" charset="0"/>
+      <p:font typeface="Bree Serif" panose="02000503040000020004" pitchFamily="2" charset="77"/>
       <p:regular r:id="rId20"/>
     </p:embeddedFont>
     <p:embeddedFont>
-      <p:font typeface="Lato" panose="02000000000000000000" pitchFamily="2" charset="0"/>
+      <p:font typeface="Lato" panose="020F0502020204030203" pitchFamily="34" charset="0"/>
       <p:regular r:id="rId21"/>
       <p:bold r:id="rId22"/>
       <p:italic r:id="rId23"/>
       <p:boldItalic r:id="rId24"/>
     </p:embeddedFont>
     <p:embeddedFont>
-      <p:font typeface="Lato Black" panose="02000000000000000000" pitchFamily="2" charset="0"/>
+      <p:font typeface="Lato Black" panose="020F0502020204030204" pitchFamily="34" charset="0"/>
       <p:bold r:id="rId25"/>
       <p:italic r:id="rId26"/>
       <p:boldItalic r:id="rId27"/>
@@ -58,7 +58,7 @@
       <p:bold r:id="rId29"/>
     </p:embeddedFont>
     <p:embeddedFont>
-      <p:font typeface="Nunito Light" panose="02000000000000000000" pitchFamily="2" charset="0"/>
+      <p:font typeface="Nunito Light" panose="020F0302020204030204" pitchFamily="34" charset="0"/>
       <p:regular r:id="rId30"/>
       <p:italic r:id="rId31"/>
     </p:embeddedFont>
